--- a/status_report/1125 JWNam Status Report.pptx
+++ b/status_report/1125 JWNam Status Report.pptx
@@ -5,7 +5,7 @@
     <p:sldMasterId id="2147483696" r:id="rId1"/>
   </p:sldMasterIdLst>
   <p:notesMasterIdLst>
-    <p:notesMasterId r:id="rId10"/>
+    <p:notesMasterId r:id="rId7"/>
   </p:notesMasterIdLst>
   <p:sldIdLst>
     <p:sldId id="256" r:id="rId2"/>
@@ -13,9 +13,6 @@
     <p:sldId id="281" r:id="rId4"/>
     <p:sldId id="282" r:id="rId5"/>
     <p:sldId id="283" r:id="rId6"/>
-    <p:sldId id="280" r:id="rId7"/>
-    <p:sldId id="279" r:id="rId8"/>
-    <p:sldId id="278" r:id="rId9"/>
   </p:sldIdLst>
   <p:sldSz cx="9144000" cy="6858000" type="screen4x3"/>
   <p:notesSz cx="6858000" cy="9144000"/>
@@ -204,7 +201,7 @@
           <a:p>
             <a:fld id="{F46097FC-0915-4D1D-A755-059565BDE4C6}" type="datetimeFigureOut">
               <a:rPr lang="ko-KR" altLang="en-US" smtClean="0"/>
-              <a:t>2015-11-23</a:t>
+              <a:t>2015-11-25</a:t>
             </a:fld>
             <a:endParaRPr lang="ko-KR" altLang="en-US"/>
           </a:p>
@@ -4029,8 +4026,8 @@
           </a:p>
         </p:txBody>
       </p:sp>
-      <mc:AlternateContent xmlns:mc="http://schemas.openxmlformats.org/markup-compatibility/2006" xmlns:a14="http://schemas.microsoft.com/office/drawing/2010/main">
-        <mc:Choice Requires="a14">
+      <mc:AlternateContent xmlns:mc="http://schemas.openxmlformats.org/markup-compatibility/2006">
+        <mc:Choice xmlns:a14="http://schemas.microsoft.com/office/drawing/2010/main" Requires="a14">
           <p:sp>
             <p:nvSpPr>
               <p:cNvPr id="3" name="내용 개체 틀 2"/>
@@ -4270,9 +4267,30 @@
                   </m:oMath>
                 </a14:m>
                 <a:r>
+                  <a:rPr lang="en-US" altLang="ko-KR" strike="sngStrike" dirty="0" smtClean="0"/>
+                  <a:t>14,326,358</a:t>
+                </a:r>
+                <a:r>
                   <a:rPr lang="en-US" altLang="ko-KR" dirty="0" smtClean="0"/>
-                  <a:t>14,326,358</a:t>
-                </a:r>
+                  <a:t> → 3</a:t>
+                </a:r>
+                <a:r>
+                  <a:rPr lang="en-US" altLang="ko-KR" dirty="0" smtClean="0"/>
+                  <a:t>,</a:t>
+                </a:r>
+                <a:r>
+                  <a:rPr lang="en-US" altLang="ko-KR" dirty="0" smtClean="0"/>
+                  <a:t>267</a:t>
+                </a:r>
+                <a:r>
+                  <a:rPr lang="en-US" altLang="ko-KR" dirty="0" smtClean="0"/>
+                  <a:t>,</a:t>
+                </a:r>
+                <a:r>
+                  <a:rPr lang="en-US" altLang="ko-KR" dirty="0" smtClean="0"/>
+                  <a:t>666</a:t>
+                </a:r>
+                <a:endParaRPr lang="en-US" altLang="ko-KR" dirty="0" smtClean="0"/>
               </a:p>
               <a:p>
                 <a:pPr marL="342900" lvl="1" indent="0" algn="ctr">
@@ -4338,9 +4356,34 @@
                   </m:oMath>
                 </a14:m>
                 <a:r>
+                  <a:rPr lang="en-US" altLang="ko-KR" strike="sngStrike" dirty="0" smtClean="0"/>
+                  <a:t>19,119,769</a:t>
+                </a:r>
+                <a:r>
                   <a:rPr lang="en-US" altLang="ko-KR" dirty="0" smtClean="0"/>
-                  <a:t>19,119,769</a:t>
-                </a:r>
+                  <a:t> </a:t>
+                </a:r>
+                <a:r>
+                  <a:rPr lang="en-US" altLang="ko-KR" dirty="0" smtClean="0"/>
+                  <a:t>→ 9</a:t>
+                </a:r>
+                <a:r>
+                  <a:rPr lang="en-US" altLang="ko-KR" dirty="0" smtClean="0"/>
+                  <a:t>,</a:t>
+                </a:r>
+                <a:r>
+                  <a:rPr lang="en-US" altLang="ko-KR" dirty="0" smtClean="0"/>
+                  <a:t>101</a:t>
+                </a:r>
+                <a:r>
+                  <a:rPr lang="en-US" altLang="ko-KR" dirty="0" smtClean="0"/>
+                  <a:t>,</a:t>
+                </a:r>
+                <a:r>
+                  <a:rPr lang="en-US" altLang="ko-KR" dirty="0" smtClean="0"/>
+                  <a:t>413</a:t>
+                </a:r>
+                <a:endParaRPr lang="en-US" altLang="ko-KR" strike="sngStrike" dirty="0" smtClean="0"/>
               </a:p>
               <a:p>
                 <a:pPr marL="0" indent="0" algn="just">
@@ -4467,18 +4510,26 @@
                       <m:t>=</m:t>
                     </m:r>
                     <m:r>
-                      <a:rPr lang="en-US" altLang="ko-KR" b="0" i="0" smtClean="0">
+                      <a:rPr lang="en-US" altLang="ko-KR" b="0" i="0" strike="sngStrike" smtClean="0">
                         <a:latin typeface="Cambria Math" panose="02040503050406030204" pitchFamily="18" charset="0"/>
                         <a:ea typeface="Cambria Math" panose="02040503050406030204" pitchFamily="18" charset="0"/>
                       </a:rPr>
                       <m:t>0.749</m:t>
                     </m:r>
+                    <m:r>
+                      <m:rPr>
+                        <m:nor/>
+                      </m:rPr>
+                      <a:rPr lang="en-US" altLang="ko-KR" dirty="0"/>
+                      <m:t>→</m:t>
+                    </m:r>
                   </m:oMath>
                 </a14:m>
                 <a:r>
                   <a:rPr lang="en-US" altLang="ko-KR" dirty="0" smtClean="0"/>
-                  <a:t>?</a:t>
-                </a:r>
+                  <a:t>0.359</a:t>
+                </a:r>
+                <a:endParaRPr lang="en-US" altLang="ko-KR" dirty="0" smtClean="0"/>
               </a:p>
               <a:p>
                 <a:endParaRPr lang="en-US" altLang="ko-KR" dirty="0" smtClean="0"/>
@@ -4492,7 +4543,7 @@
             </p:txBody>
           </p:sp>
         </mc:Choice>
-        <mc:Fallback xmlns="">
+        <mc:Fallback>
           <p:sp>
             <p:nvSpPr>
               <p:cNvPr id="3" name="내용 개체 틀 2"/>
@@ -4609,8 +4660,8 @@
           </a:p>
         </p:txBody>
       </p:sp>
-      <mc:AlternateContent xmlns:mc="http://schemas.openxmlformats.org/markup-compatibility/2006" xmlns:a14="http://schemas.microsoft.com/office/drawing/2010/main">
-        <mc:Choice Requires="a14">
+      <mc:AlternateContent xmlns:mc="http://schemas.openxmlformats.org/markup-compatibility/2006">
+        <mc:Choice xmlns:a14="http://schemas.microsoft.com/office/drawing/2010/main" Requires="a14">
           <p:sp>
             <p:nvSpPr>
               <p:cNvPr id="3" name="내용 개체 틀 2"/>
@@ -4744,10 +4795,34 @@
                   </m:oMath>
                 </a14:m>
                 <a:r>
+                  <a:rPr lang="en-US" altLang="ko-KR" strike="sngStrike" dirty="0" smtClean="0"/>
+                  <a:t>2,504,640</a:t>
+                </a:r>
+                <a:r>
+                  <a:rPr lang="en-US" altLang="ko-KR" dirty="0"/>
+                  <a:t> </a:t>
+                </a:r>
+                <a:r>
                   <a:rPr lang="en-US" altLang="ko-KR" dirty="0" smtClean="0"/>
-                  <a:t>2,504,640</a:t>
-                </a:r>
-                <a:endParaRPr lang="en-US" altLang="ko-KR" dirty="0"/>
+                  <a:t>→ 2</a:t>
+                </a:r>
+                <a:r>
+                  <a:rPr lang="en-US" altLang="ko-KR" dirty="0" smtClean="0"/>
+                  <a:t>,</a:t>
+                </a:r>
+                <a:r>
+                  <a:rPr lang="en-US" altLang="ko-KR" dirty="0" smtClean="0"/>
+                  <a:t>803</a:t>
+                </a:r>
+                <a:r>
+                  <a:rPr lang="en-US" altLang="ko-KR" dirty="0" smtClean="0"/>
+                  <a:t>,</a:t>
+                </a:r>
+                <a:r>
+                  <a:rPr lang="en-US" altLang="ko-KR" dirty="0" smtClean="0"/>
+                  <a:t>342</a:t>
+                </a:r>
+                <a:endParaRPr lang="en-US" altLang="ko-KR" strike="sngStrike" dirty="0"/>
               </a:p>
               <a:p>
                 <a:endParaRPr lang="en-US" altLang="ko-KR" dirty="0" smtClean="0"/>
@@ -4810,8 +4885,25 @@
                 </a14:m>
                 <a:r>
                   <a:rPr lang="en-US" altLang="ko-KR" dirty="0" smtClean="0"/>
-                  <a:t>14,326,358</a:t>
-                </a:r>
+                  <a:t>3</a:t>
+                </a:r>
+                <a:r>
+                  <a:rPr lang="en-US" altLang="ko-KR" dirty="0" smtClean="0"/>
+                  <a:t>,</a:t>
+                </a:r>
+                <a:r>
+                  <a:rPr lang="en-US" altLang="ko-KR" dirty="0" smtClean="0"/>
+                  <a:t>267</a:t>
+                </a:r>
+                <a:r>
+                  <a:rPr lang="en-US" altLang="ko-KR" dirty="0" smtClean="0"/>
+                  <a:t>,</a:t>
+                </a:r>
+                <a:r>
+                  <a:rPr lang="en-US" altLang="ko-KR" dirty="0" smtClean="0"/>
+                  <a:t>666</a:t>
+                </a:r>
+                <a:endParaRPr lang="en-US" altLang="ko-KR" dirty="0" smtClean="0"/>
               </a:p>
               <a:p>
                 <a:endParaRPr lang="en-US" altLang="ko-KR" dirty="0" smtClean="0"/>
@@ -4821,126 +4913,162 @@
                   <a:buNone/>
                 </a:pPr>
                 <a14:m>
-                  <m:oMath xmlns:m="http://schemas.openxmlformats.org/officeDocument/2006/math">
-                    <m:r>
-                      <a:rPr lang="en-US" altLang="ko-KR" i="1">
-                        <a:latin typeface="Cambria Math" panose="02040503050406030204" pitchFamily="18" charset="0"/>
-                        <a:ea typeface="Cambria Math" panose="02040503050406030204" pitchFamily="18" charset="0"/>
-                      </a:rPr>
-                      <m:t>∴</m:t>
-                    </m:r>
-                    <m:r>
-                      <a:rPr lang="en-US" altLang="ko-KR" b="0" i="1" smtClean="0">
-                        <a:latin typeface="Cambria Math" panose="02040503050406030204" pitchFamily="18" charset="0"/>
-                        <a:ea typeface="Cambria Math" panose="02040503050406030204" pitchFamily="18" charset="0"/>
-                      </a:rPr>
-                      <m:t>𝜖</m:t>
-                    </m:r>
-                    <m:r>
-                      <a:rPr lang="en-US" altLang="ko-KR">
-                        <a:latin typeface="Cambria Math" panose="02040503050406030204" pitchFamily="18" charset="0"/>
-                        <a:ea typeface="Cambria Math" panose="02040503050406030204" pitchFamily="18" charset="0"/>
-                      </a:rPr>
-                      <m:t>=</m:t>
-                    </m:r>
-                    <m:f>
-                      <m:fPr>
-                        <m:ctrlPr>
-                          <a:rPr lang="en-US" altLang="ko-KR" i="1">
-                            <a:latin typeface="Cambria Math" panose="02040503050406030204" pitchFamily="18" charset="0"/>
-                          </a:rPr>
-                        </m:ctrlPr>
-                      </m:fPr>
-                      <m:num>
-                        <m:sSubSup>
-                          <m:sSubSupPr>
-                            <m:ctrlPr>
-                              <a:rPr lang="en-US" altLang="ko-KR" i="1">
-                                <a:latin typeface="Cambria Math" panose="02040503050406030204" pitchFamily="18" charset="0"/>
-                              </a:rPr>
-                            </m:ctrlPr>
-                          </m:sSubSupPr>
-                          <m:e>
-                            <m:r>
-                              <a:rPr lang="en-US" altLang="ko-KR" i="1">
-                                <a:latin typeface="Cambria Math" panose="02040503050406030204" pitchFamily="18" charset="0"/>
-                              </a:rPr>
-                              <m:t>𝑁</m:t>
-                            </m:r>
-                          </m:e>
-                          <m:sub>
-                            <m:r>
-                              <a:rPr lang="en-US" altLang="ko-KR" b="0" i="1" smtClean="0">
-                                <a:latin typeface="Cambria Math" panose="02040503050406030204" pitchFamily="18" charset="0"/>
-                              </a:rPr>
-                              <m:t>𝑟𝑒𝑐𝑜</m:t>
-                            </m:r>
-                          </m:sub>
-                          <m:sup>
-                            <m:r>
-                              <a:rPr lang="en-US" altLang="ko-KR" b="0" i="1" smtClean="0">
-                                <a:latin typeface="Cambria Math" panose="02040503050406030204" pitchFamily="18" charset="0"/>
-                              </a:rPr>
-                              <m:t>𝑠𝑒𝑙</m:t>
-                            </m:r>
-                          </m:sup>
-                        </m:sSubSup>
-                      </m:num>
-                      <m:den>
-                        <m:sSubSup>
-                          <m:sSubSupPr>
-                            <m:ctrlPr>
-                              <a:rPr lang="en-US" altLang="ko-KR" i="1">
-                                <a:latin typeface="Cambria Math" panose="02040503050406030204" pitchFamily="18" charset="0"/>
-                              </a:rPr>
-                            </m:ctrlPr>
-                          </m:sSubSupPr>
-                          <m:e>
-                            <m:r>
-                              <a:rPr lang="en-US" altLang="ko-KR" i="1">
-                                <a:latin typeface="Cambria Math" panose="02040503050406030204" pitchFamily="18" charset="0"/>
-                              </a:rPr>
-                              <m:t>𝑁</m:t>
-                            </m:r>
-                          </m:e>
-                          <m:sub>
-                            <m:r>
-                              <a:rPr lang="en-US" altLang="ko-KR" i="1">
-                                <a:latin typeface="Cambria Math" panose="02040503050406030204" pitchFamily="18" charset="0"/>
-                              </a:rPr>
-                              <m:t>𝑔𝑒𝑛</m:t>
-                            </m:r>
-                          </m:sub>
-                          <m:sup>
-                            <m:r>
-                              <a:rPr lang="en-US" altLang="ko-KR" b="0" i="1" smtClean="0">
-                                <a:latin typeface="Cambria Math" panose="02040503050406030204" pitchFamily="18" charset="0"/>
-                              </a:rPr>
-                              <m:t>𝑎𝑐𝑐</m:t>
-                            </m:r>
-                          </m:sup>
-                        </m:sSubSup>
-                      </m:den>
-                    </m:f>
-                    <m:r>
-                      <a:rPr lang="en-US" altLang="ko-KR">
-                        <a:latin typeface="Cambria Math" panose="02040503050406030204" pitchFamily="18" charset="0"/>
-                      </a:rPr>
-                      <m:t>=</m:t>
-                    </m:r>
-                    <m:r>
-                      <a:rPr lang="en-US" altLang="ko-KR" b="0" i="0" smtClean="0">
-                        <a:latin typeface="Cambria Math" panose="02040503050406030204" pitchFamily="18" charset="0"/>
-                        <a:ea typeface="Cambria Math" panose="02040503050406030204" pitchFamily="18" charset="0"/>
-                      </a:rPr>
-                      <m:t>0.1748</m:t>
-                    </m:r>
-                  </m:oMath>
+                  <m:oMathPara xmlns:m="http://schemas.openxmlformats.org/officeDocument/2006/math">
+                    <m:oMathParaPr>
+                      <m:jc m:val="centerGroup"/>
+                    </m:oMathParaPr>
+                    <m:oMath xmlns:m="http://schemas.openxmlformats.org/officeDocument/2006/math">
+                      <m:r>
+                        <a:rPr lang="en-US" altLang="ko-KR" i="1">
+                          <a:latin typeface="Cambria Math" panose="02040503050406030204" pitchFamily="18" charset="0"/>
+                          <a:ea typeface="Cambria Math" panose="02040503050406030204" pitchFamily="18" charset="0"/>
+                        </a:rPr>
+                        <m:t>∴</m:t>
+                      </m:r>
+                      <m:r>
+                        <a:rPr lang="en-US" altLang="ko-KR" b="0" i="1" smtClean="0">
+                          <a:latin typeface="Cambria Math" panose="02040503050406030204" pitchFamily="18" charset="0"/>
+                          <a:ea typeface="Cambria Math" panose="02040503050406030204" pitchFamily="18" charset="0"/>
+                        </a:rPr>
+                        <m:t>𝜖</m:t>
+                      </m:r>
+                      <m:r>
+                        <a:rPr lang="en-US" altLang="ko-KR">
+                          <a:latin typeface="Cambria Math" panose="02040503050406030204" pitchFamily="18" charset="0"/>
+                          <a:ea typeface="Cambria Math" panose="02040503050406030204" pitchFamily="18" charset="0"/>
+                        </a:rPr>
+                        <m:t>=</m:t>
+                      </m:r>
+                      <m:f>
+                        <m:fPr>
+                          <m:ctrlPr>
+                            <a:rPr lang="en-US" altLang="ko-KR" i="1">
+                              <a:latin typeface="Cambria Math" panose="02040503050406030204" pitchFamily="18" charset="0"/>
+                            </a:rPr>
+                          </m:ctrlPr>
+                        </m:fPr>
+                        <m:num>
+                          <m:sSubSup>
+                            <m:sSubSupPr>
+                              <m:ctrlPr>
+                                <a:rPr lang="en-US" altLang="ko-KR" i="1">
+                                  <a:latin typeface="Cambria Math" panose="02040503050406030204" pitchFamily="18" charset="0"/>
+                                </a:rPr>
+                              </m:ctrlPr>
+                            </m:sSubSupPr>
+                            <m:e>
+                              <m:r>
+                                <a:rPr lang="en-US" altLang="ko-KR" i="1">
+                                  <a:latin typeface="Cambria Math" panose="02040503050406030204" pitchFamily="18" charset="0"/>
+                                </a:rPr>
+                                <m:t>𝑁</m:t>
+                              </m:r>
+                            </m:e>
+                            <m:sub>
+                              <m:r>
+                                <a:rPr lang="en-US" altLang="ko-KR" b="0" i="1" smtClean="0">
+                                  <a:latin typeface="Cambria Math" panose="02040503050406030204" pitchFamily="18" charset="0"/>
+                                </a:rPr>
+                                <m:t>𝑟𝑒𝑐𝑜</m:t>
+                              </m:r>
+                            </m:sub>
+                            <m:sup>
+                              <m:r>
+                                <a:rPr lang="en-US" altLang="ko-KR" b="0" i="1" smtClean="0">
+                                  <a:latin typeface="Cambria Math" panose="02040503050406030204" pitchFamily="18" charset="0"/>
+                                </a:rPr>
+                                <m:t>𝑠𝑒𝑙</m:t>
+                              </m:r>
+                            </m:sup>
+                          </m:sSubSup>
+                        </m:num>
+                        <m:den>
+                          <m:sSubSup>
+                            <m:sSubSupPr>
+                              <m:ctrlPr>
+                                <a:rPr lang="en-US" altLang="ko-KR" i="1">
+                                  <a:latin typeface="Cambria Math" panose="02040503050406030204" pitchFamily="18" charset="0"/>
+                                </a:rPr>
+                              </m:ctrlPr>
+                            </m:sSubSupPr>
+                            <m:e>
+                              <m:r>
+                                <a:rPr lang="en-US" altLang="ko-KR" i="1">
+                                  <a:latin typeface="Cambria Math" panose="02040503050406030204" pitchFamily="18" charset="0"/>
+                                </a:rPr>
+                                <m:t>𝑁</m:t>
+                              </m:r>
+                            </m:e>
+                            <m:sub>
+                              <m:r>
+                                <a:rPr lang="en-US" altLang="ko-KR" i="1">
+                                  <a:latin typeface="Cambria Math" panose="02040503050406030204" pitchFamily="18" charset="0"/>
+                                </a:rPr>
+                                <m:t>𝑔𝑒𝑛</m:t>
+                              </m:r>
+                            </m:sub>
+                            <m:sup>
+                              <m:r>
+                                <a:rPr lang="en-US" altLang="ko-KR" b="0" i="1" smtClean="0">
+                                  <a:latin typeface="Cambria Math" panose="02040503050406030204" pitchFamily="18" charset="0"/>
+                                </a:rPr>
+                                <m:t>𝑎𝑐𝑐</m:t>
+                              </m:r>
+                            </m:sup>
+                          </m:sSubSup>
+                        </m:den>
+                      </m:f>
+                      <m:r>
+                        <a:rPr lang="en-US" altLang="ko-KR">
+                          <a:latin typeface="Cambria Math" panose="02040503050406030204" pitchFamily="18" charset="0"/>
+                        </a:rPr>
+                        <m:t>=</m:t>
+                      </m:r>
+                      <m:r>
+                        <a:rPr lang="en-US" altLang="ko-KR" b="0" i="0" strike="sngStrike" smtClean="0">
+                          <a:latin typeface="Cambria Math" panose="02040503050406030204" pitchFamily="18" charset="0"/>
+                          <a:ea typeface="Cambria Math" panose="02040503050406030204" pitchFamily="18" charset="0"/>
+                        </a:rPr>
+                        <m:t>0.17</m:t>
+                      </m:r>
+                      <m:r>
+                        <m:rPr>
+                          <m:nor/>
+                        </m:rPr>
+                        <a:rPr lang="en-US" altLang="ko-KR" b="0" i="0" strike="sngStrike" smtClean="0">
+                          <a:latin typeface="Cambria Math" panose="02040503050406030204" pitchFamily="18" charset="0"/>
+                          <a:ea typeface="Cambria Math" panose="02040503050406030204" pitchFamily="18" charset="0"/>
+                        </a:rPr>
+                        <m:t>5</m:t>
+                      </m:r>
+                      <m:r>
+                        <m:rPr>
+                          <m:nor/>
+                        </m:rPr>
+                        <a:rPr lang="en-US" altLang="ko-KR" b="0" i="0" smtClean="0">
+                          <a:latin typeface="Cambria Math" panose="02040503050406030204" pitchFamily="18" charset="0"/>
+                          <a:ea typeface="Cambria Math" panose="02040503050406030204" pitchFamily="18" charset="0"/>
+                        </a:rPr>
+                        <m:t> </m:t>
+                      </m:r>
+                      <m:r>
+                        <m:rPr>
+                          <m:nor/>
+                        </m:rPr>
+                        <a:rPr lang="en-US" altLang="ko-KR" dirty="0"/>
+                        <m:t>→</m:t>
+                      </m:r>
+                      <m:r>
+                        <m:rPr>
+                          <m:nor/>
+                        </m:rPr>
+                        <a:rPr lang="en-US" altLang="ko-KR" b="0" i="0" dirty="0" smtClean="0"/>
+                        <m:t> 0.858</m:t>
+                      </m:r>
+                    </m:oMath>
+                  </m:oMathPara>
                 </a14:m>
-                <a:r>
-                  <a:rPr lang="en-US" altLang="ko-KR" dirty="0"/>
-                  <a:t>?</a:t>
-                </a:r>
+                <a:endParaRPr lang="en-US" altLang="ko-KR" dirty="0"/>
               </a:p>
               <a:p>
                 <a:endParaRPr lang="ko-KR" altLang="en-US" dirty="0"/>
@@ -4948,7 +5076,7 @@
             </p:txBody>
           </p:sp>
         </mc:Choice>
-        <mc:Fallback xmlns="">
+        <mc:Fallback>
           <p:sp>
             <p:nvSpPr>
               <p:cNvPr id="3" name="내용 개체 틀 2"/>
@@ -5065,8 +5193,8 @@
           </a:p>
         </p:txBody>
       </p:sp>
-      <mc:AlternateContent xmlns:mc="http://schemas.openxmlformats.org/markup-compatibility/2006" xmlns:a14="http://schemas.microsoft.com/office/drawing/2010/main">
-        <mc:Choice Requires="a14">
+      <mc:AlternateContent xmlns:mc="http://schemas.openxmlformats.org/markup-compatibility/2006">
+        <mc:Choice xmlns:a14="http://schemas.microsoft.com/office/drawing/2010/main" Requires="a14">
           <p:sp>
             <p:nvSpPr>
               <p:cNvPr id="3" name="내용 개체 틀 2"/>
@@ -5265,7 +5393,14 @@
                         <a:latin typeface="Cambria Math" panose="02040503050406030204" pitchFamily="18" charset="0"/>
                         <a:ea typeface="Cambria Math" panose="02040503050406030204" pitchFamily="18" charset="0"/>
                       </a:rPr>
-                      <m:t>0.749</m:t>
+                      <m:t>0.</m:t>
+                    </m:r>
+                    <m:r>
+                      <a:rPr lang="en-US" altLang="ko-KR" b="0" i="0" smtClean="0">
+                        <a:latin typeface="Cambria Math" panose="02040503050406030204" pitchFamily="18" charset="0"/>
+                        <a:ea typeface="Cambria Math" panose="02040503050406030204" pitchFamily="18" charset="0"/>
+                      </a:rPr>
+                      <m:t>359</m:t>
                     </m:r>
                   </m:oMath>
                 </a14:m>
@@ -5298,14 +5433,51 @@
                         <a:latin typeface="Cambria Math" panose="02040503050406030204" pitchFamily="18" charset="0"/>
                         <a:ea typeface="Cambria Math" panose="02040503050406030204" pitchFamily="18" charset="0"/>
                       </a:rPr>
-                      <m:t>0.17</m:t>
+                      <m:t>0.</m:t>
+                    </m:r>
+                    <m:r>
+                      <a:rPr lang="en-US" altLang="ko-KR" b="0" i="0" smtClean="0">
+                        <a:latin typeface="Cambria Math" panose="02040503050406030204" pitchFamily="18" charset="0"/>
+                        <a:ea typeface="Cambria Math" panose="02040503050406030204" pitchFamily="18" charset="0"/>
+                      </a:rPr>
+                      <m:t>858</m:t>
                     </m:r>
                   </m:oMath>
                 </a14:m>
-                <a:r>
-                  <a:rPr lang="en-US" altLang="ko-KR" dirty="0" smtClean="0"/>
-                  <a:t>5</a:t>
-                </a:r>
+                <a:endParaRPr lang="en-US" altLang="ko-KR" b="0" dirty="0" smtClean="0">
+                  <a:ea typeface="Cambria Math" panose="02040503050406030204" pitchFamily="18" charset="0"/>
+                </a:endParaRPr>
+              </a:p>
+              <a:p>
+                <a:pPr lvl="1"/>
+                <a14:m>
+                  <m:oMath xmlns:m="http://schemas.openxmlformats.org/officeDocument/2006/math">
+                    <m:r>
+                      <a:rPr lang="en-US" altLang="ko-KR" b="0" i="1" smtClean="0">
+                        <a:latin typeface="Cambria Math" panose="02040503050406030204" pitchFamily="18" charset="0"/>
+                      </a:rPr>
+                      <m:t>𝐴</m:t>
+                    </m:r>
+                    <m:r>
+                      <a:rPr lang="en-US" altLang="ko-KR" b="0" i="1" smtClean="0">
+                        <a:latin typeface="Cambria Math" panose="02040503050406030204" pitchFamily="18" charset="0"/>
+                      </a:rPr>
+                      <m:t>×</m:t>
+                    </m:r>
+                    <m:r>
+                      <a:rPr lang="en-US" altLang="ko-KR" i="1">
+                        <a:latin typeface="Cambria Math" panose="02040503050406030204" pitchFamily="18" charset="0"/>
+                      </a:rPr>
+                      <m:t>𝜖</m:t>
+                    </m:r>
+                    <m:r>
+                      <a:rPr lang="en-US" altLang="ko-KR" b="0" i="1" smtClean="0">
+                        <a:latin typeface="Cambria Math" panose="02040503050406030204" pitchFamily="18" charset="0"/>
+                      </a:rPr>
+                      <m:t>=0.308</m:t>
+                    </m:r>
+                  </m:oMath>
+                </a14:m>
                 <a:endParaRPr lang="en-US" altLang="ko-KR" dirty="0"/>
               </a:p>
               <a:p>
@@ -5325,40 +5497,59 @@
                       </a:rPr>
                       <m:t>𝜎</m:t>
                     </m:r>
+                    <m:d>
+                      <m:dPr>
+                        <m:ctrlPr>
+                          <a:rPr lang="en-US" altLang="ko-KR" b="0" i="1" smtClean="0">
+                            <a:latin typeface="Cambria Math" panose="02040503050406030204" pitchFamily="18" charset="0"/>
+                            <a:ea typeface="Cambria Math" panose="02040503050406030204" pitchFamily="18" charset="0"/>
+                          </a:rPr>
+                        </m:ctrlPr>
+                      </m:dPr>
+                      <m:e>
+                        <m:r>
+                          <a:rPr lang="en-US" altLang="ko-KR" b="0" i="1" smtClean="0">
+                            <a:latin typeface="Cambria Math" panose="02040503050406030204" pitchFamily="18" charset="0"/>
+                            <a:ea typeface="Cambria Math" panose="02040503050406030204" pitchFamily="18" charset="0"/>
+                          </a:rPr>
+                          <m:t>𝑍</m:t>
+                        </m:r>
+                        <m:r>
+                          <a:rPr lang="en-US" altLang="ko-KR" b="0" i="1" smtClean="0">
+                            <a:latin typeface="Cambria Math" panose="02040503050406030204" pitchFamily="18" charset="0"/>
+                            <a:ea typeface="Cambria Math" panose="02040503050406030204" pitchFamily="18" charset="0"/>
+                          </a:rPr>
+                          <m:t>→</m:t>
+                        </m:r>
+                        <m:r>
+                          <a:rPr lang="en-US" altLang="ko-KR" b="0" i="1" smtClean="0">
+                            <a:latin typeface="Cambria Math" panose="02040503050406030204" pitchFamily="18" charset="0"/>
+                            <a:ea typeface="Cambria Math" panose="02040503050406030204" pitchFamily="18" charset="0"/>
+                          </a:rPr>
+                          <m:t>𝜇𝜇</m:t>
+                        </m:r>
+                      </m:e>
+                    </m:d>
                     <m:r>
                       <a:rPr lang="en-US" altLang="ko-KR" b="0" i="1" smtClean="0">
                         <a:latin typeface="Cambria Math" panose="02040503050406030204" pitchFamily="18" charset="0"/>
                         <a:ea typeface="Cambria Math" panose="02040503050406030204" pitchFamily="18" charset="0"/>
                       </a:rPr>
-                      <m:t>(</m:t>
+                      <m:t>=</m:t>
                     </m:r>
                     <m:r>
                       <a:rPr lang="en-US" altLang="ko-KR" b="0" i="1" smtClean="0">
                         <a:latin typeface="Cambria Math" panose="02040503050406030204" pitchFamily="18" charset="0"/>
                         <a:ea typeface="Cambria Math" panose="02040503050406030204" pitchFamily="18" charset="0"/>
                       </a:rPr>
-                      <m:t>𝑍</m:t>
+                      <m:t>1936.062</m:t>
                     </m:r>
                     <m:r>
                       <a:rPr lang="en-US" altLang="ko-KR" b="0" i="1" smtClean="0">
                         <a:latin typeface="Cambria Math" panose="02040503050406030204" pitchFamily="18" charset="0"/>
                         <a:ea typeface="Cambria Math" panose="02040503050406030204" pitchFamily="18" charset="0"/>
                       </a:rPr>
-                      <m:t>→</m:t>
-                    </m:r>
-                    <m:r>
-                      <a:rPr lang="en-US" altLang="ko-KR" b="0" i="1" smtClean="0">
-                        <a:latin typeface="Cambria Math" panose="02040503050406030204" pitchFamily="18" charset="0"/>
-                        <a:ea typeface="Cambria Math" panose="02040503050406030204" pitchFamily="18" charset="0"/>
-                      </a:rPr>
-                      <m:t>𝜇𝜇</m:t>
-                    </m:r>
-                    <m:r>
-                      <a:rPr lang="en-US" altLang="ko-KR" b="0" i="1" smtClean="0">
-                        <a:latin typeface="Cambria Math" panose="02040503050406030204" pitchFamily="18" charset="0"/>
-                        <a:ea typeface="Cambria Math" panose="02040503050406030204" pitchFamily="18" charset="0"/>
-                      </a:rPr>
-                      <m:t>)=4560.569 </m:t>
+                      <m:t> </m:t>
                     </m:r>
                     <m:r>
                       <a:rPr lang="en-US" altLang="ko-KR" b="0" i="1" smtClean="0">
@@ -5369,20 +5560,134 @@
                     </m:r>
                   </m:oMath>
                 </a14:m>
-                <a:r>
-                  <a:rPr lang="ko-KR" altLang="en-US" dirty="0" smtClean="0"/>
-                  <a:t> </a:t>
-                </a:r>
+                <a:endParaRPr lang="en-US" altLang="ko-KR" b="0" dirty="0" smtClean="0">
+                  <a:ea typeface="Cambria Math" panose="02040503050406030204" pitchFamily="18" charset="0"/>
+                </a:endParaRPr>
+              </a:p>
+              <a:p>
+                <a:pPr lvl="1"/>
                 <a:r>
                   <a:rPr lang="en-US" altLang="ko-KR" dirty="0" smtClean="0"/>
-                  <a:t>?</a:t>
-                </a:r>
-                <a:endParaRPr lang="ko-KR" altLang="en-US" dirty="0"/>
+                  <a:t>reference: </a:t>
+                </a:r>
+                <a14:m>
+                  <m:oMath xmlns:m="http://schemas.openxmlformats.org/officeDocument/2006/math">
+                    <m:r>
+                      <a:rPr lang="en-US" altLang="ko-KR" i="1">
+                        <a:latin typeface="Cambria Math" panose="02040503050406030204" pitchFamily="18" charset="0"/>
+                        <a:ea typeface="Cambria Math" panose="02040503050406030204" pitchFamily="18" charset="0"/>
+                      </a:rPr>
+                      <m:t>𝜎</m:t>
+                    </m:r>
+                    <m:d>
+                      <m:dPr>
+                        <m:ctrlPr>
+                          <a:rPr lang="en-US" altLang="ko-KR" i="1">
+                            <a:latin typeface="Cambria Math" panose="02040503050406030204" pitchFamily="18" charset="0"/>
+                            <a:ea typeface="Cambria Math" panose="02040503050406030204" pitchFamily="18" charset="0"/>
+                          </a:rPr>
+                        </m:ctrlPr>
+                      </m:dPr>
+                      <m:e>
+                        <m:r>
+                          <a:rPr lang="en-US" altLang="ko-KR" b="0" i="1" smtClean="0">
+                            <a:latin typeface="Cambria Math" panose="02040503050406030204" pitchFamily="18" charset="0"/>
+                            <a:ea typeface="Cambria Math" panose="02040503050406030204" pitchFamily="18" charset="0"/>
+                          </a:rPr>
+                          <m:t>𝑇h𝑒𝑜𝑟𝑦</m:t>
+                        </m:r>
+                      </m:e>
+                    </m:d>
+                    <m:r>
+                      <a:rPr lang="en-US" altLang="ko-KR" b="0" i="1" smtClean="0">
+                        <a:latin typeface="Cambria Math" panose="02040503050406030204" pitchFamily="18" charset="0"/>
+                        <a:ea typeface="Cambria Math" panose="02040503050406030204" pitchFamily="18" charset="0"/>
+                      </a:rPr>
+                      <m:t>=1868 </m:t>
+                    </m:r>
+                    <m:r>
+                      <a:rPr lang="en-US" altLang="ko-KR" b="0" i="1" smtClean="0">
+                        <a:latin typeface="Cambria Math" panose="02040503050406030204" pitchFamily="18" charset="0"/>
+                        <a:ea typeface="Cambria Math" panose="02040503050406030204" pitchFamily="18" charset="0"/>
+                      </a:rPr>
+                      <m:t>𝑝𝑏</m:t>
+                    </m:r>
+                  </m:oMath>
+                </a14:m>
+                <a:endParaRPr lang="en-US" altLang="ko-KR" dirty="0" smtClean="0"/>
+              </a:p>
+              <a:p>
+                <a:pPr marL="342900" lvl="1" indent="0">
+                  <a:buNone/>
+                </a:pPr>
+                <a:r>
+                  <a:rPr lang="en-US" altLang="ko-KR" dirty="0" smtClean="0"/>
+                  <a:t>                        </a:t>
+                </a:r>
+                <a14:m>
+                  <m:oMath xmlns:m="http://schemas.openxmlformats.org/officeDocument/2006/math">
+                    <m:r>
+                      <a:rPr lang="en-US" altLang="ko-KR" i="1">
+                        <a:latin typeface="Cambria Math" panose="02040503050406030204" pitchFamily="18" charset="0"/>
+                        <a:ea typeface="Cambria Math" panose="02040503050406030204" pitchFamily="18" charset="0"/>
+                      </a:rPr>
+                      <m:t>𝜎</m:t>
+                    </m:r>
+                    <m:d>
+                      <m:dPr>
+                        <m:ctrlPr>
+                          <a:rPr lang="en-US" altLang="ko-KR" i="1">
+                            <a:latin typeface="Cambria Math" panose="02040503050406030204" pitchFamily="18" charset="0"/>
+                            <a:ea typeface="Cambria Math" panose="02040503050406030204" pitchFamily="18" charset="0"/>
+                          </a:rPr>
+                        </m:ctrlPr>
+                      </m:dPr>
+                      <m:e>
+                        <m:r>
+                          <a:rPr lang="en-US" altLang="ko-KR" b="0" i="1" smtClean="0">
+                            <a:latin typeface="Cambria Math" panose="02040503050406030204" pitchFamily="18" charset="0"/>
+                            <a:ea typeface="Cambria Math" panose="02040503050406030204" pitchFamily="18" charset="0"/>
+                          </a:rPr>
+                          <m:t>𝑑𝑎𝑡𝑎</m:t>
+                        </m:r>
+                      </m:e>
+                    </m:d>
+                    <m:r>
+                      <a:rPr lang="en-US" altLang="ko-KR" i="1">
+                        <a:latin typeface="Cambria Math" panose="02040503050406030204" pitchFamily="18" charset="0"/>
+                        <a:ea typeface="Cambria Math" panose="02040503050406030204" pitchFamily="18" charset="0"/>
+                      </a:rPr>
+                      <m:t>=1</m:t>
+                    </m:r>
+                    <m:r>
+                      <a:rPr lang="en-US" altLang="ko-KR" b="0" i="1" smtClean="0">
+                        <a:latin typeface="Cambria Math" panose="02040503050406030204" pitchFamily="18" charset="0"/>
+                        <a:ea typeface="Cambria Math" panose="02040503050406030204" pitchFamily="18" charset="0"/>
+                      </a:rPr>
+                      <m:t>900</m:t>
+                    </m:r>
+                    <m:r>
+                      <a:rPr lang="en-US" altLang="ko-KR" i="1">
+                        <a:latin typeface="Cambria Math" panose="02040503050406030204" pitchFamily="18" charset="0"/>
+                        <a:ea typeface="Cambria Math" panose="02040503050406030204" pitchFamily="18" charset="0"/>
+                      </a:rPr>
+                      <m:t> </m:t>
+                    </m:r>
+                    <m:r>
+                      <a:rPr lang="en-US" altLang="ko-KR" i="1">
+                        <a:latin typeface="Cambria Math" panose="02040503050406030204" pitchFamily="18" charset="0"/>
+                        <a:ea typeface="Cambria Math" panose="02040503050406030204" pitchFamily="18" charset="0"/>
+                      </a:rPr>
+                      <m:t>𝑝𝑏</m:t>
+                    </m:r>
+                  </m:oMath>
+                </a14:m>
+                <a:endParaRPr lang="en-US" altLang="ko-KR" dirty="0" smtClean="0"/>
               </a:p>
             </p:txBody>
           </p:sp>
         </mc:Choice>
-        <mc:Fallback xmlns="">
+        <mc:Fallback>
           <p:sp>
             <p:nvSpPr>
               <p:cNvPr id="3" name="내용 개체 틀 2"/>
@@ -5449,358 +5754,6 @@
   <p:clrMapOvr>
     <a:masterClrMapping/>
   </p:clrMapOvr>
-</p:sld>
-</file>
-
-<file path=ppt/slides/slide6.xml><?xml version="1.0" encoding="utf-8"?>
-<p:sld xmlns:a="http://schemas.openxmlformats.org/drawingml/2006/main" xmlns:r="http://schemas.openxmlformats.org/officeDocument/2006/relationships" xmlns:p="http://schemas.openxmlformats.org/presentationml/2006/main">
-  <p:cSld>
-    <p:spTree>
-      <p:nvGrpSpPr>
-        <p:cNvPr id="1" name=""/>
-        <p:cNvGrpSpPr/>
-        <p:nvPr/>
-      </p:nvGrpSpPr>
-      <p:grpSpPr>
-        <a:xfrm>
-          <a:off x="0" y="0"/>
-          <a:ext cx="0" cy="0"/>
-          <a:chOff x="0" y="0"/>
-          <a:chExt cx="0" cy="0"/>
-        </a:xfrm>
-      </p:grpSpPr>
-      <p:sp>
-        <p:nvSpPr>
-          <p:cNvPr id="2" name="제목 1"/>
-          <p:cNvSpPr>
-            <a:spLocks noGrp="1"/>
-          </p:cNvSpPr>
-          <p:nvPr>
-            <p:ph type="title"/>
-          </p:nvPr>
-        </p:nvSpPr>
-        <p:spPr/>
-        <p:txBody>
-          <a:bodyPr/>
-          <a:lstStyle/>
-          <a:p>
-            <a:r>
-              <a:rPr lang="en-US" altLang="ko-KR" dirty="0" err="1" smtClean="0"/>
-              <a:t>Dimuon</a:t>
-            </a:r>
-            <a:r>
-              <a:rPr lang="en-US" altLang="ko-KR" dirty="0" smtClean="0"/>
-              <a:t> </a:t>
-            </a:r>
-            <a:r>
-              <a:rPr lang="en-US" altLang="ko-KR" dirty="0" err="1" smtClean="0"/>
-              <a:t>pT</a:t>
-            </a:r>
-            <a:endParaRPr lang="ko-KR" altLang="en-US" dirty="0"/>
-          </a:p>
-        </p:txBody>
-      </p:sp>
-      <p:pic>
-        <p:nvPicPr>
-          <p:cNvPr id="5" name="내용 개체 틀 4"/>
-          <p:cNvPicPr>
-            <a:picLocks noGrp="1" noChangeAspect="1"/>
-          </p:cNvPicPr>
-          <p:nvPr>
-            <p:ph idx="1"/>
-          </p:nvPr>
-        </p:nvPicPr>
-        <p:blipFill>
-          <a:blip r:embed="rId2">
-            <a:extLst>
-              <a:ext uri="{28A0092B-C50C-407E-A947-70E740481C1C}">
-                <a14:useLocalDpi xmlns:a14="http://schemas.microsoft.com/office/drawing/2010/main" val="0"/>
-              </a:ext>
-            </a:extLst>
-          </a:blip>
-          <a:stretch>
-            <a:fillRect/>
-          </a:stretch>
-        </p:blipFill>
-        <p:spPr>
-          <a:xfrm>
-            <a:off x="1780032" y="1399277"/>
-            <a:ext cx="5596128" cy="5458723"/>
-          </a:xfrm>
-        </p:spPr>
-      </p:pic>
-      <p:sp>
-        <p:nvSpPr>
-          <p:cNvPr id="4" name="날짜 개체 틀 3"/>
-          <p:cNvSpPr>
-            <a:spLocks noGrp="1"/>
-          </p:cNvSpPr>
-          <p:nvPr>
-            <p:ph type="dt" sz="half" idx="10"/>
-          </p:nvPr>
-        </p:nvSpPr>
-        <p:spPr/>
-        <p:txBody>
-          <a:bodyPr/>
-          <a:lstStyle/>
-          <a:p>
-            <a:r>
-              <a:rPr lang="en-US" altLang="ko-KR" smtClean="0"/>
-              <a:t>2015. 11. 18</a:t>
-            </a:r>
-            <a:endParaRPr lang="ko-KR" altLang="en-US"/>
-          </a:p>
-        </p:txBody>
-      </p:sp>
-    </p:spTree>
-    <p:extLst>
-      <p:ext uri="{BB962C8B-B14F-4D97-AF65-F5344CB8AC3E}">
-        <p14:creationId xmlns:p14="http://schemas.microsoft.com/office/powerpoint/2010/main" val="2667542253"/>
-      </p:ext>
-    </p:extLst>
-  </p:cSld>
-  <p:clrMapOvr>
-    <a:masterClrMapping/>
-  </p:clrMapOvr>
-  <p:timing>
-    <p:tnLst>
-      <p:par>
-        <p:cTn id="1" dur="indefinite" restart="never" nodeType="tmRoot"/>
-      </p:par>
-    </p:tnLst>
-  </p:timing>
-</p:sld>
-</file>
-
-<file path=ppt/slides/slide7.xml><?xml version="1.0" encoding="utf-8"?>
-<p:sld xmlns:a="http://schemas.openxmlformats.org/drawingml/2006/main" xmlns:r="http://schemas.openxmlformats.org/officeDocument/2006/relationships" xmlns:p="http://schemas.openxmlformats.org/presentationml/2006/main">
-  <p:cSld>
-    <p:spTree>
-      <p:nvGrpSpPr>
-        <p:cNvPr id="1" name=""/>
-        <p:cNvGrpSpPr/>
-        <p:nvPr/>
-      </p:nvGrpSpPr>
-      <p:grpSpPr>
-        <a:xfrm>
-          <a:off x="0" y="0"/>
-          <a:ext cx="0" cy="0"/>
-          <a:chOff x="0" y="0"/>
-          <a:chExt cx="0" cy="0"/>
-        </a:xfrm>
-      </p:grpSpPr>
-      <p:sp>
-        <p:nvSpPr>
-          <p:cNvPr id="2" name="제목 1"/>
-          <p:cNvSpPr>
-            <a:spLocks noGrp="1"/>
-          </p:cNvSpPr>
-          <p:nvPr>
-            <p:ph type="title"/>
-          </p:nvPr>
-        </p:nvSpPr>
-        <p:spPr/>
-        <p:txBody>
-          <a:bodyPr/>
-          <a:lstStyle/>
-          <a:p>
-            <a:r>
-              <a:rPr lang="en-US" altLang="ko-KR" dirty="0" err="1" smtClean="0"/>
-              <a:t>Dimuon</a:t>
-            </a:r>
-            <a:r>
-              <a:rPr lang="en-US" altLang="ko-KR" dirty="0" smtClean="0"/>
-              <a:t> Rapidity</a:t>
-            </a:r>
-            <a:endParaRPr lang="ko-KR" altLang="en-US" dirty="0"/>
-          </a:p>
-        </p:txBody>
-      </p:sp>
-      <p:sp>
-        <p:nvSpPr>
-          <p:cNvPr id="4" name="날짜 개체 틀 3"/>
-          <p:cNvSpPr>
-            <a:spLocks noGrp="1"/>
-          </p:cNvSpPr>
-          <p:nvPr>
-            <p:ph type="dt" sz="half" idx="10"/>
-          </p:nvPr>
-        </p:nvSpPr>
-        <p:spPr/>
-        <p:txBody>
-          <a:bodyPr/>
-          <a:lstStyle/>
-          <a:p>
-            <a:r>
-              <a:rPr lang="en-US" altLang="ko-KR" smtClean="0"/>
-              <a:t>2015. 11. 18</a:t>
-            </a:r>
-            <a:endParaRPr lang="ko-KR" altLang="en-US"/>
-          </a:p>
-        </p:txBody>
-      </p:sp>
-      <p:pic>
-        <p:nvPicPr>
-          <p:cNvPr id="5" name="내용 개체 틀 4"/>
-          <p:cNvPicPr>
-            <a:picLocks noGrp="1" noChangeAspect="1"/>
-          </p:cNvPicPr>
-          <p:nvPr>
-            <p:ph idx="1"/>
-          </p:nvPr>
-        </p:nvPicPr>
-        <p:blipFill>
-          <a:blip r:embed="rId2">
-            <a:extLst>
-              <a:ext uri="{28A0092B-C50C-407E-A947-70E740481C1C}">
-                <a14:useLocalDpi xmlns:a14="http://schemas.microsoft.com/office/drawing/2010/main" val="0"/>
-              </a:ext>
-            </a:extLst>
-          </a:blip>
-          <a:stretch>
-            <a:fillRect/>
-          </a:stretch>
-        </p:blipFill>
-        <p:spPr>
-          <a:xfrm>
-            <a:off x="1780032" y="1399277"/>
-            <a:ext cx="5596128" cy="5458723"/>
-          </a:xfrm>
-        </p:spPr>
-      </p:pic>
-    </p:spTree>
-    <p:extLst>
-      <p:ext uri="{BB962C8B-B14F-4D97-AF65-F5344CB8AC3E}">
-        <p14:creationId xmlns:p14="http://schemas.microsoft.com/office/powerpoint/2010/main" val="3485511919"/>
-      </p:ext>
-    </p:extLst>
-  </p:cSld>
-  <p:clrMapOvr>
-    <a:masterClrMapping/>
-  </p:clrMapOvr>
-  <p:timing>
-    <p:tnLst>
-      <p:par>
-        <p:cTn id="1" dur="indefinite" restart="never" nodeType="tmRoot"/>
-      </p:par>
-    </p:tnLst>
-  </p:timing>
-</p:sld>
-</file>
-
-<file path=ppt/slides/slide8.xml><?xml version="1.0" encoding="utf-8"?>
-<p:sld xmlns:a="http://schemas.openxmlformats.org/drawingml/2006/main" xmlns:r="http://schemas.openxmlformats.org/officeDocument/2006/relationships" xmlns:p="http://schemas.openxmlformats.org/presentationml/2006/main">
-  <p:cSld>
-    <p:spTree>
-      <p:nvGrpSpPr>
-        <p:cNvPr id="1" name=""/>
-        <p:cNvGrpSpPr/>
-        <p:nvPr/>
-      </p:nvGrpSpPr>
-      <p:grpSpPr>
-        <a:xfrm>
-          <a:off x="0" y="0"/>
-          <a:ext cx="0" cy="0"/>
-          <a:chOff x="0" y="0"/>
-          <a:chExt cx="0" cy="0"/>
-        </a:xfrm>
-      </p:grpSpPr>
-      <p:sp>
-        <p:nvSpPr>
-          <p:cNvPr id="2" name="제목 1"/>
-          <p:cNvSpPr>
-            <a:spLocks noGrp="1"/>
-          </p:cNvSpPr>
-          <p:nvPr>
-            <p:ph type="title"/>
-          </p:nvPr>
-        </p:nvSpPr>
-        <p:spPr/>
-        <p:txBody>
-          <a:bodyPr/>
-          <a:lstStyle/>
-          <a:p>
-            <a:r>
-              <a:rPr lang="en-US" altLang="ko-KR" dirty="0" err="1" smtClean="0"/>
-              <a:t>Dimuon</a:t>
-            </a:r>
-            <a:r>
-              <a:rPr lang="en-US" altLang="ko-KR" dirty="0" smtClean="0"/>
-              <a:t> Invariant mass</a:t>
-            </a:r>
-            <a:endParaRPr lang="ko-KR" altLang="en-US" dirty="0"/>
-          </a:p>
-        </p:txBody>
-      </p:sp>
-      <p:sp>
-        <p:nvSpPr>
-          <p:cNvPr id="4" name="날짜 개체 틀 3"/>
-          <p:cNvSpPr>
-            <a:spLocks noGrp="1"/>
-          </p:cNvSpPr>
-          <p:nvPr>
-            <p:ph type="dt" sz="half" idx="10"/>
-          </p:nvPr>
-        </p:nvSpPr>
-        <p:spPr/>
-        <p:txBody>
-          <a:bodyPr/>
-          <a:lstStyle/>
-          <a:p>
-            <a:r>
-              <a:rPr lang="en-US" altLang="ko-KR" smtClean="0"/>
-              <a:t>2015. 11. 18</a:t>
-            </a:r>
-            <a:endParaRPr lang="ko-KR" altLang="en-US"/>
-          </a:p>
-        </p:txBody>
-      </p:sp>
-      <p:pic>
-        <p:nvPicPr>
-          <p:cNvPr id="6" name="내용 개체 틀 5"/>
-          <p:cNvPicPr>
-            <a:picLocks noGrp="1" noChangeAspect="1"/>
-          </p:cNvPicPr>
-          <p:nvPr>
-            <p:ph idx="1"/>
-          </p:nvPr>
-        </p:nvPicPr>
-        <p:blipFill>
-          <a:blip r:embed="rId2">
-            <a:extLst>
-              <a:ext uri="{28A0092B-C50C-407E-A947-70E740481C1C}">
-                <a14:useLocalDpi xmlns:a14="http://schemas.microsoft.com/office/drawing/2010/main" val="0"/>
-              </a:ext>
-            </a:extLst>
-          </a:blip>
-          <a:stretch>
-            <a:fillRect/>
-          </a:stretch>
-        </p:blipFill>
-        <p:spPr>
-          <a:xfrm>
-            <a:off x="1767840" y="1387386"/>
-            <a:ext cx="5608319" cy="5470614"/>
-          </a:xfrm>
-        </p:spPr>
-      </p:pic>
-    </p:spTree>
-    <p:extLst>
-      <p:ext uri="{BB962C8B-B14F-4D97-AF65-F5344CB8AC3E}">
-        <p14:creationId xmlns:p14="http://schemas.microsoft.com/office/powerpoint/2010/main" val="964983605"/>
-      </p:ext>
-    </p:extLst>
-  </p:cSld>
-  <p:clrMapOvr>
-    <a:masterClrMapping/>
-  </p:clrMapOvr>
-  <p:timing>
-    <p:tnLst>
-      <p:par>
-        <p:cTn id="1" dur="indefinite" restart="never" nodeType="tmRoot"/>
-      </p:par>
-    </p:tnLst>
-  </p:timing>
 </p:sld>
 </file>
 

--- a/status_report/1125 JWNam Status Report.pptx
+++ b/status_report/1125 JWNam Status Report.pptx
@@ -3491,8 +3491,13 @@
           <a:p>
             <a:r>
               <a:rPr lang="en-US" altLang="ko-KR" dirty="0" smtClean="0"/>
-              <a:t>2015. 11. 18</a:t>
-            </a:r>
+              <a:t>2015. 11. </a:t>
+            </a:r>
+            <a:r>
+              <a:rPr lang="en-US" altLang="ko-KR" dirty="0" smtClean="0"/>
+              <a:t>25</a:t>
+            </a:r>
+            <a:endParaRPr lang="en-US" altLang="ko-KR" dirty="0" smtClean="0"/>
           </a:p>
           <a:p>
             <a:r>
@@ -4091,13 +4096,19 @@
                       <a:rPr lang="en-US" altLang="ko-KR" b="0" i="1" smtClean="0">
                         <a:latin typeface="Cambria Math" panose="02040503050406030204" pitchFamily="18" charset="0"/>
                       </a:rPr>
-                      <m:t>&gt;25</m:t>
+                      <m:t>&gt;</m:t>
                     </m:r>
                     <m:r>
-                      <a:rPr lang="en-US" altLang="ko-KR" b="0" i="1" smtClean="0">
+                      <a:rPr lang="en-US" altLang="ko-KR" b="1" i="1" smtClean="0">
                         <a:latin typeface="Cambria Math" panose="02040503050406030204" pitchFamily="18" charset="0"/>
                       </a:rPr>
-                      <m:t>𝐺𝑒𝑉</m:t>
+                      <m:t>𝟐𝟓</m:t>
+                    </m:r>
+                    <m:r>
+                      <a:rPr lang="en-US" altLang="ko-KR" b="1" i="1" smtClean="0">
+                        <a:latin typeface="Cambria Math" panose="02040503050406030204" pitchFamily="18" charset="0"/>
+                      </a:rPr>
+                      <m:t>𝑮𝒆𝑽</m:t>
                     </m:r>
                   </m:oMath>
                 </a14:m>
@@ -4389,7 +4400,11 @@
                 <a:pPr marL="0" indent="0" algn="just">
                   <a:buNone/>
                 </a:pPr>
-                <a:endParaRPr lang="en-US" altLang="ko-KR" i="1" dirty="0" smtClean="0">
+                <a:r>
+                  <a:rPr lang="en-US" altLang="ko-KR" sz="1600" dirty="0" smtClean="0"/>
+                  <a:t>    (Total MC events: 28,827,486)</a:t>
+                </a:r>
+                <a:endParaRPr lang="en-US" altLang="ko-KR" sz="1600" dirty="0" smtClean="0">
                   <a:latin typeface="Cambria Math" panose="02040503050406030204" pitchFamily="18" charset="0"/>
                   <a:ea typeface="Cambria Math" panose="02040503050406030204" pitchFamily="18" charset="0"/>
                 </a:endParaRPr>
